--- a/_site/lectures/Lecture08/PS51009Week8.pptx
+++ b/_site/lectures/Lecture08/PS51009Week8.pptx
@@ -7,6 +7,8 @@
   <p:sldIdLst>
     <p:sldId id="256" r:id="rId2"/>
     <p:sldId id="257" r:id="rId3"/>
+    <p:sldId id="258" r:id="rId4"/>
+    <p:sldId id="259" r:id="rId5"/>
   </p:sldIdLst>
   <p:sldSz cx="12192000" cy="6858000"/>
   <p:notesSz cx="6858000" cy="9144000"/>
@@ -4890,7 +4892,7 @@
             </a:pPr>
             <a:r>
               <a:rPr/>
-              <a:t>Deviously seeking deception</a:t>
+              <a:t>Deviously seeking Duping Delight in the Darkness</a:t>
             </a:r>
           </a:p>
         </p:txBody>
@@ -4932,7 +4934,15 @@
             <a:br/>
             <a:r>
               <a:rPr/>
-              <a:t>Dr Gordon Wright</a:t>
+              <a:t>Dr Gordon Wright (</a:t>
+            </a:r>
+            <a:r>
+              <a:rPr b="1"/>
+              <a:t>DrDeception?</a:t>
+            </a:r>
+            <a:r>
+              <a:rPr/>
+              <a:t>)</a:t>
             </a:r>
           </a:p>
         </p:txBody>
@@ -4994,6 +5004,129 @@
             <a:r>
               <a:rPr/>
               <a:t>Overview</a:t>
+            </a:r>
+          </a:p>
+        </p:txBody>
+      </p:sp>
+    </p:spTree>
+  </p:cSld>
+</p:sld>
+</file>
+
+<file path=ppt/slides/slide3.xml><?xml version="1.0" encoding="utf-8"?>
+<p:sld xmlns:a="http://schemas.openxmlformats.org/drawingml/2006/main" xmlns:r="http://schemas.openxmlformats.org/officeDocument/2006/relationships" xmlns:p="http://schemas.openxmlformats.org/presentationml/2006/main">
+  <p:cSld>
+    <p:spTree>
+      <p:nvGrpSpPr>
+        <p:cNvPr id="1" name=""/>
+        <p:cNvGrpSpPr/>
+        <p:nvPr/>
+      </p:nvGrpSpPr>
+      <p:grpSpPr>
+        <a:xfrm>
+          <a:off x="0" y="0"/>
+          <a:ext cx="0" cy="0"/>
+          <a:chOff x="0" y="0"/>
+          <a:chExt cx="0" cy="0"/>
+        </a:xfrm>
+      </p:grpSpPr>
+      <p:sp>
+        <p:nvSpPr>
+          <p:cNvPr id="3" name="Content Placeholder 2">
+            <a:extLst>
+              <a:ext uri="{FF2B5EF4-FFF2-40B4-BE49-F238E27FC236}">
+                <a16:creationId xmlns:a16="http://schemas.microsoft.com/office/drawing/2014/main" id="{A4EB24F9-04F1-C843-9D71-56C5C024552B}"/>
+              </a:ext>
+            </a:extLst>
+          </p:cNvPr>
+          <p:cNvSpPr>
+            <a:spLocks noGrp="1"/>
+          </p:cNvSpPr>
+          <p:nvPr>
+            <p:ph idx="1"/>
+          </p:nvPr>
+        </p:nvSpPr>
+        <p:spPr/>
+        <p:txBody>
+          <a:bodyPr/>
+          <a:lstStyle/>
+          <a:p>
+            <a:pPr lvl="0" indent="0" marL="0">
+              <a:buNone/>
+            </a:pPr>
+            <a:r>
+              <a:rPr/>
+              <a:t>Y2 Mini Dissertation</a:t>
+            </a:r>
+          </a:p>
+          <a:p>
+            <a:pPr lvl="0" indent="0" marL="0">
+              <a:buNone/>
+            </a:pPr>
+            <a:r>
+              <a:rPr/>
+              <a:t>Little monkey Video</a:t>
+            </a:r>
+          </a:p>
+        </p:txBody>
+      </p:sp>
+    </p:spTree>
+  </p:cSld>
+</p:sld>
+</file>
+
+<file path=ppt/slides/slide4.xml><?xml version="1.0" encoding="utf-8"?>
+<p:sld xmlns:a="http://schemas.openxmlformats.org/drawingml/2006/main" xmlns:r="http://schemas.openxmlformats.org/officeDocument/2006/relationships" xmlns:p="http://schemas.openxmlformats.org/presentationml/2006/main">
+  <p:cSld>
+    <p:spTree>
+      <p:nvGrpSpPr>
+        <p:cNvPr id="1" name=""/>
+        <p:cNvGrpSpPr/>
+        <p:nvPr/>
+      </p:nvGrpSpPr>
+      <p:grpSpPr>
+        <a:xfrm>
+          <a:off x="0" y="0"/>
+          <a:ext cx="0" cy="0"/>
+          <a:chOff x="0" y="0"/>
+          <a:chExt cx="0" cy="0"/>
+        </a:xfrm>
+      </p:grpSpPr>
+      <p:sp>
+        <p:nvSpPr>
+          <p:cNvPr id="2" name="Title 1">
+            <a:extLst>
+              <a:ext uri="{FF2B5EF4-FFF2-40B4-BE49-F238E27FC236}">
+                <a16:creationId xmlns:a16="http://schemas.microsoft.com/office/drawing/2014/main" id="{DD9B8E45-0772-954C-8D4B-6E6808DFEDED}"/>
+              </a:ext>
+            </a:extLst>
+          </p:cNvPr>
+          <p:cNvSpPr>
+            <a:spLocks noGrp="1"/>
+          </p:cNvSpPr>
+          <p:nvPr>
+            <p:ph type="title"/>
+          </p:nvPr>
+        </p:nvSpPr>
+        <p:spPr>
+          <a:xfrm>
+            <a:off x="838200" y="365129"/>
+            <a:ext cx="10002520" cy="1325563"/>
+          </a:xfrm>
+          <a:prstGeom prst="rect">
+            <a:avLst/>
+          </a:prstGeom>
+        </p:spPr>
+        <p:txBody>
+          <a:bodyPr/>
+          <a:lstStyle/>
+          <a:p>
+            <a:pPr lvl="0" indent="0" marL="0">
+              <a:buNone/>
+            </a:pPr>
+            <a:r>
+              <a:rPr/>
+              <a:t>Video</a:t>
             </a:r>
           </a:p>
         </p:txBody>

--- a/_site/lectures/Lecture08/PS51009Week8.pptx
+++ b/_site/lectures/Lecture08/PS51009Week8.pptx
@@ -9,6 +9,8 @@
     <p:sldId id="257" r:id="rId3"/>
     <p:sldId id="258" r:id="rId4"/>
     <p:sldId id="259" r:id="rId5"/>
+    <p:sldId id="260" r:id="rId6"/>
+    <p:sldId id="261" r:id="rId7"/>
   </p:sldIdLst>
   <p:sldSz cx="12192000" cy="6858000"/>
   <p:notesSz cx="6858000" cy="9144000"/>
@@ -4934,15 +4936,7 @@
             <a:br/>
             <a:r>
               <a:rPr/>
-              <a:t>Dr Gordon Wright (</a:t>
-            </a:r>
-            <a:r>
-              <a:rPr b="1"/>
-              <a:t>DrDeception?</a:t>
-            </a:r>
-            <a:r>
-              <a:rPr/>
-              <a:t>)</a:t>
+              <a:t>Dr Gordon Wright aka DrDeception</a:t>
             </a:r>
           </a:p>
         </p:txBody>
@@ -5127,6 +5121,130 @@
             <a:r>
               <a:rPr/>
               <a:t>Video</a:t>
+            </a:r>
+          </a:p>
+        </p:txBody>
+      </p:sp>
+    </p:spTree>
+  </p:cSld>
+</p:sld>
+</file>
+
+<file path=ppt/slides/slide5.xml><?xml version="1.0" encoding="utf-8"?>
+<p:sld xmlns:a="http://schemas.openxmlformats.org/drawingml/2006/main" xmlns:r="http://schemas.openxmlformats.org/officeDocument/2006/relationships" xmlns:p="http://schemas.openxmlformats.org/presentationml/2006/main">
+  <p:cSld>
+    <p:spTree>
+      <p:nvGrpSpPr>
+        <p:cNvPr id="1" name=""/>
+        <p:cNvGrpSpPr/>
+        <p:nvPr/>
+      </p:nvGrpSpPr>
+      <p:grpSpPr>
+        <a:xfrm>
+          <a:off x="0" y="0"/>
+          <a:ext cx="0" cy="0"/>
+          <a:chOff x="0" y="0"/>
+          <a:chExt cx="0" cy="0"/>
+        </a:xfrm>
+      </p:grpSpPr>
+      <p:sp>
+        <p:nvSpPr>
+          <p:cNvPr id="2" name="Title 1">
+            <a:extLst>
+              <a:ext uri="{FF2B5EF4-FFF2-40B4-BE49-F238E27FC236}">
+                <a16:creationId xmlns:a16="http://schemas.microsoft.com/office/drawing/2014/main" id="{DD9B8E45-0772-954C-8D4B-6E6808DFEDED}"/>
+              </a:ext>
+            </a:extLst>
+          </p:cNvPr>
+          <p:cNvSpPr>
+            <a:spLocks noGrp="1"/>
+          </p:cNvSpPr>
+          <p:nvPr>
+            <p:ph type="title"/>
+          </p:nvPr>
+        </p:nvSpPr>
+        <p:spPr>
+          <a:xfrm>
+            <a:off x="838200" y="365129"/>
+            <a:ext cx="10002520" cy="1325563"/>
+          </a:xfrm>
+          <a:prstGeom prst="rect">
+            <a:avLst/>
+          </a:prstGeom>
+        </p:spPr>
+        <p:txBody>
+          <a:bodyPr/>
+          <a:lstStyle/>
+          <a:p>
+            <a:pPr lvl="0" indent="0" marL="0">
+              <a:buNone/>
+            </a:pPr>
+            <a:r>
+              <a:rPr/>
+              <a:t>Some easy research!</a:t>
+            </a:r>
+          </a:p>
+        </p:txBody>
+      </p:sp>
+    </p:spTree>
+  </p:cSld>
+</p:sld>
+</file>
+
+<file path=ppt/slides/slide6.xml><?xml version="1.0" encoding="utf-8"?>
+<p:sld xmlns:a="http://schemas.openxmlformats.org/drawingml/2006/main" xmlns:r="http://schemas.openxmlformats.org/officeDocument/2006/relationships" xmlns:p="http://schemas.openxmlformats.org/presentationml/2006/main">
+  <p:cSld>
+    <p:spTree>
+      <p:nvGrpSpPr>
+        <p:cNvPr id="1" name=""/>
+        <p:cNvGrpSpPr/>
+        <p:nvPr/>
+      </p:nvGrpSpPr>
+      <p:grpSpPr>
+        <a:xfrm>
+          <a:off x="0" y="0"/>
+          <a:ext cx="0" cy="0"/>
+          <a:chOff x="0" y="0"/>
+          <a:chExt cx="0" cy="0"/>
+        </a:xfrm>
+      </p:grpSpPr>
+      <p:sp>
+        <p:nvSpPr>
+          <p:cNvPr id="2" name="Title 1">
+            <a:extLst>
+              <a:ext uri="{FF2B5EF4-FFF2-40B4-BE49-F238E27FC236}">
+                <a16:creationId xmlns:a16="http://schemas.microsoft.com/office/drawing/2014/main" id="{DD9B8E45-0772-954C-8D4B-6E6808DFEDED}"/>
+              </a:ext>
+            </a:extLst>
+          </p:cNvPr>
+          <p:cNvSpPr>
+            <a:spLocks noGrp="1"/>
+          </p:cNvSpPr>
+          <p:nvPr>
+            <p:ph type="title"/>
+          </p:nvPr>
+        </p:nvSpPr>
+        <p:spPr>
+          <a:xfrm>
+            <a:off x="838200" y="365129"/>
+            <a:ext cx="10002520" cy="1325563"/>
+          </a:xfrm>
+          <a:prstGeom prst="rect">
+            <a:avLst/>
+          </a:prstGeom>
+        </p:spPr>
+        <p:txBody>
+          <a:bodyPr/>
+          <a:lstStyle/>
+          <a:p>
+            <a:pPr lvl="0" indent="0" marL="0">
+              <a:buNone/>
+            </a:pPr>
+            <a:r>
+              <a:rPr>
+                <a:hlinkClick r:id="rId2"/>
+              </a:rPr>
+              <a:t>BBC Horizon: The Honesty Experiment</a:t>
             </a:r>
           </a:p>
         </p:txBody>

--- a/_site/lectures/Lecture08/PS51009Week8.pptx
+++ b/_site/lectures/Lecture08/PS51009Week8.pptx
@@ -11,6 +11,15 @@
     <p:sldId id="259" r:id="rId5"/>
     <p:sldId id="260" r:id="rId6"/>
     <p:sldId id="261" r:id="rId7"/>
+    <p:sldId id="262" r:id="rId8"/>
+    <p:sldId id="263" r:id="rId9"/>
+    <p:sldId id="264" r:id="rId10"/>
+    <p:sldId id="265" r:id="rId11"/>
+    <p:sldId id="266" r:id="rId12"/>
+    <p:sldId id="267" r:id="rId13"/>
+    <p:sldId id="268" r:id="rId14"/>
+    <p:sldId id="269" r:id="rId15"/>
+    <p:sldId id="270" r:id="rId16"/>
   </p:sldIdLst>
   <p:sldSz cx="12192000" cy="6858000"/>
   <p:notesSz cx="6858000" cy="9144000"/>
@@ -4946,6 +4955,595 @@
 </p:sld>
 </file>
 
+<file path=ppt/slides/slide10.xml><?xml version="1.0" encoding="utf-8"?>
+<p:sld xmlns:a="http://schemas.openxmlformats.org/drawingml/2006/main" xmlns:r="http://schemas.openxmlformats.org/officeDocument/2006/relationships" xmlns:p="http://schemas.openxmlformats.org/presentationml/2006/main">
+  <p:cSld>
+    <p:spTree>
+      <p:nvGrpSpPr>
+        <p:cNvPr id="1" name=""/>
+        <p:cNvGrpSpPr/>
+        <p:nvPr/>
+      </p:nvGrpSpPr>
+      <p:grpSpPr>
+        <a:xfrm>
+          <a:off x="0" y="0"/>
+          <a:ext cx="0" cy="0"/>
+          <a:chOff x="0" y="0"/>
+          <a:chExt cx="0" cy="0"/>
+        </a:xfrm>
+      </p:grpSpPr>
+      <p:sp>
+        <p:nvSpPr>
+          <p:cNvPr id="2" name="Title 1">
+            <a:extLst>
+              <a:ext uri="{FF2B5EF4-FFF2-40B4-BE49-F238E27FC236}">
+                <a16:creationId xmlns:a16="http://schemas.microsoft.com/office/drawing/2014/main" id="{DD9B8E45-0772-954C-8D4B-6E6808DFEDED}"/>
+              </a:ext>
+            </a:extLst>
+          </p:cNvPr>
+          <p:cNvSpPr>
+            <a:spLocks noGrp="1"/>
+          </p:cNvSpPr>
+          <p:nvPr>
+            <p:ph type="title"/>
+          </p:nvPr>
+        </p:nvSpPr>
+        <p:spPr>
+          <a:xfrm>
+            <a:off x="838200" y="365129"/>
+            <a:ext cx="10002520" cy="1325563"/>
+          </a:xfrm>
+          <a:prstGeom prst="rect">
+            <a:avLst/>
+          </a:prstGeom>
+        </p:spPr>
+        <p:txBody>
+          <a:bodyPr/>
+          <a:lstStyle/>
+          <a:p>
+            <a:pPr lvl="0" indent="0" marL="0">
+              <a:buNone/>
+            </a:pPr>
+            <a:r>
+              <a:rPr/>
+              <a:t>MyPsychology</a:t>
+            </a:r>
+          </a:p>
+        </p:txBody>
+      </p:sp>
+    </p:spTree>
+  </p:cSld>
+</p:sld>
+</file>
+
+<file path=ppt/slides/slide11.xml><?xml version="1.0" encoding="utf-8"?>
+<p:sld xmlns:a="http://schemas.openxmlformats.org/drawingml/2006/main" xmlns:r="http://schemas.openxmlformats.org/officeDocument/2006/relationships" xmlns:p="http://schemas.openxmlformats.org/presentationml/2006/main">
+  <p:cSld>
+    <p:spTree>
+      <p:nvGrpSpPr>
+        <p:cNvPr id="1" name=""/>
+        <p:cNvGrpSpPr/>
+        <p:nvPr/>
+      </p:nvGrpSpPr>
+      <p:grpSpPr>
+        <a:xfrm>
+          <a:off x="0" y="0"/>
+          <a:ext cx="0" cy="0"/>
+          <a:chOff x="0" y="0"/>
+          <a:chExt cx="0" cy="0"/>
+        </a:xfrm>
+      </p:grpSpPr>
+      <p:sp>
+        <p:nvSpPr>
+          <p:cNvPr id="2" name="Title 1">
+            <a:extLst>
+              <a:ext uri="{FF2B5EF4-FFF2-40B4-BE49-F238E27FC236}">
+                <a16:creationId xmlns:a16="http://schemas.microsoft.com/office/drawing/2014/main" id="{DD9B8E45-0772-954C-8D4B-6E6808DFEDED}"/>
+              </a:ext>
+            </a:extLst>
+          </p:cNvPr>
+          <p:cNvSpPr>
+            <a:spLocks noGrp="1"/>
+          </p:cNvSpPr>
+          <p:nvPr>
+            <p:ph type="title"/>
+          </p:nvPr>
+        </p:nvSpPr>
+        <p:spPr>
+          <a:xfrm>
+            <a:off x="838200" y="365129"/>
+            <a:ext cx="10002520" cy="1325563"/>
+          </a:xfrm>
+          <a:prstGeom prst="rect">
+            <a:avLst/>
+          </a:prstGeom>
+        </p:spPr>
+        <p:txBody>
+          <a:bodyPr/>
+          <a:lstStyle/>
+          <a:p>
+            <a:pPr lvl="0" indent="0" marL="0">
+              <a:buNone/>
+            </a:pPr>
+            <a:r>
+              <a:rPr/>
+              <a:t>Your aspirations?</a:t>
+            </a:r>
+          </a:p>
+        </p:txBody>
+      </p:sp>
+    </p:spTree>
+  </p:cSld>
+</p:sld>
+</file>
+
+<file path=ppt/slides/slide12.xml><?xml version="1.0" encoding="utf-8"?>
+<p:sld xmlns:a="http://schemas.openxmlformats.org/drawingml/2006/main" xmlns:r="http://schemas.openxmlformats.org/officeDocument/2006/relationships" xmlns:p="http://schemas.openxmlformats.org/presentationml/2006/main">
+  <p:cSld>
+    <p:spTree>
+      <p:nvGrpSpPr>
+        <p:cNvPr id="1" name=""/>
+        <p:cNvGrpSpPr/>
+        <p:nvPr/>
+      </p:nvGrpSpPr>
+      <p:grpSpPr>
+        <a:xfrm>
+          <a:off x="0" y="0"/>
+          <a:ext cx="0" cy="0"/>
+          <a:chOff x="0" y="0"/>
+          <a:chExt cx="0" cy="0"/>
+        </a:xfrm>
+      </p:grpSpPr>
+      <p:sp>
+        <p:nvSpPr>
+          <p:cNvPr id="2" name="Title 1">
+            <a:extLst>
+              <a:ext uri="{FF2B5EF4-FFF2-40B4-BE49-F238E27FC236}">
+                <a16:creationId xmlns:a16="http://schemas.microsoft.com/office/drawing/2014/main" id="{DD9B8E45-0772-954C-8D4B-6E6808DFEDED}"/>
+              </a:ext>
+            </a:extLst>
+          </p:cNvPr>
+          <p:cNvSpPr>
+            <a:spLocks noGrp="1"/>
+          </p:cNvSpPr>
+          <p:nvPr>
+            <p:ph type="title"/>
+          </p:nvPr>
+        </p:nvSpPr>
+        <p:spPr>
+          <a:xfrm>
+            <a:off x="838200" y="365129"/>
+            <a:ext cx="10002520" cy="1325563"/>
+          </a:xfrm>
+          <a:prstGeom prst="rect">
+            <a:avLst/>
+          </a:prstGeom>
+        </p:spPr>
+        <p:txBody>
+          <a:bodyPr/>
+          <a:lstStyle/>
+          <a:p>
+            <a:pPr lvl="0" indent="0" marL="0">
+              <a:buNone/>
+            </a:pPr>
+            <a:r>
+              <a:rPr/>
+              <a:t>Your research ‘career’ ahead of you</a:t>
+            </a:r>
+          </a:p>
+        </p:txBody>
+      </p:sp>
+      <p:sp>
+        <p:nvSpPr>
+          <p:cNvPr id="3" name="Content Placeholder 2">
+            <a:extLst>
+              <a:ext uri="{FF2B5EF4-FFF2-40B4-BE49-F238E27FC236}">
+                <a16:creationId xmlns:a16="http://schemas.microsoft.com/office/drawing/2014/main" id="{A4EB24F9-04F1-C843-9D71-56C5C024552B}"/>
+              </a:ext>
+            </a:extLst>
+          </p:cNvPr>
+          <p:cNvSpPr>
+            <a:spLocks noGrp="1"/>
+          </p:cNvSpPr>
+          <p:nvPr>
+            <p:ph idx="1"/>
+          </p:nvPr>
+        </p:nvSpPr>
+        <p:spPr/>
+        <p:txBody>
+          <a:bodyPr/>
+          <a:lstStyle/>
+          <a:p>
+            <a:pPr lvl="0" indent="0" marL="0">
+              <a:buNone/>
+            </a:pPr>
+            <a:r>
+              <a:rPr/>
+              <a:t>RPS</a:t>
+            </a:r>
+          </a:p>
+          <a:p>
+            <a:pPr lvl="0" indent="0" marL="0">
+              <a:buNone/>
+            </a:pPr>
+            <a:r>
+              <a:rPr/>
+              <a:t>EE</a:t>
+            </a:r>
+          </a:p>
+          <a:p>
+            <a:pPr lvl="0" indent="0" marL="0">
+              <a:buNone/>
+            </a:pPr>
+            <a:r>
+              <a:rPr/>
+              <a:t>MD</a:t>
+            </a:r>
+          </a:p>
+          <a:p>
+            <a:pPr lvl="0" indent="0" marL="0">
+              <a:buNone/>
+            </a:pPr>
+            <a:r>
+              <a:rPr/>
+              <a:t>Summer Bursary</a:t>
+            </a:r>
+          </a:p>
+          <a:p>
+            <a:pPr lvl="0" indent="0" marL="0">
+              <a:buNone/>
+            </a:pPr>
+            <a:r>
+              <a:rPr/>
+              <a:t>Y3 Diss</a:t>
+            </a:r>
+          </a:p>
+          <a:p>
+            <a:pPr lvl="0" indent="0" marL="0">
+              <a:buNone/>
+            </a:pPr>
+            <a:r>
+              <a:rPr/>
+              <a:t>1+3</a:t>
+            </a:r>
+          </a:p>
+          <a:p>
+            <a:pPr lvl="0" indent="0" marL="0">
+              <a:buNone/>
+            </a:pPr>
+            <a:r>
+              <a:rPr/>
+              <a:t>(MSc)</a:t>
+            </a:r>
+          </a:p>
+          <a:p>
+            <a:pPr lvl="0" indent="0" marL="0">
+              <a:buNone/>
+            </a:pPr>
+            <a:r>
+              <a:rPr/>
+              <a:t>(PhD) or Doctorate.</a:t>
+            </a:r>
+          </a:p>
+        </p:txBody>
+      </p:sp>
+    </p:spTree>
+  </p:cSld>
+</p:sld>
+</file>
+
+<file path=ppt/slides/slide13.xml><?xml version="1.0" encoding="utf-8"?>
+<p:sld xmlns:a="http://schemas.openxmlformats.org/drawingml/2006/main" xmlns:r="http://schemas.openxmlformats.org/officeDocument/2006/relationships" xmlns:p="http://schemas.openxmlformats.org/presentationml/2006/main">
+  <p:cSld>
+    <p:spTree>
+      <p:nvGrpSpPr>
+        <p:cNvPr id="1" name=""/>
+        <p:cNvGrpSpPr/>
+        <p:nvPr/>
+      </p:nvGrpSpPr>
+      <p:grpSpPr>
+        <a:xfrm>
+          <a:off x="0" y="0"/>
+          <a:ext cx="0" cy="0"/>
+          <a:chOff x="0" y="0"/>
+          <a:chExt cx="0" cy="0"/>
+        </a:xfrm>
+      </p:grpSpPr>
+      <p:sp>
+        <p:nvSpPr>
+          <p:cNvPr id="2" name="Title 1">
+            <a:extLst>
+              <a:ext uri="{FF2B5EF4-FFF2-40B4-BE49-F238E27FC236}">
+                <a16:creationId xmlns:a16="http://schemas.microsoft.com/office/drawing/2014/main" id="{DD9B8E45-0772-954C-8D4B-6E6808DFEDED}"/>
+              </a:ext>
+            </a:extLst>
+          </p:cNvPr>
+          <p:cNvSpPr>
+            <a:spLocks noGrp="1"/>
+          </p:cNvSpPr>
+          <p:nvPr>
+            <p:ph type="title"/>
+          </p:nvPr>
+        </p:nvSpPr>
+        <p:spPr>
+          <a:xfrm>
+            <a:off x="838200" y="365129"/>
+            <a:ext cx="10002520" cy="1325563"/>
+          </a:xfrm>
+          <a:prstGeom prst="rect">
+            <a:avLst/>
+          </a:prstGeom>
+        </p:spPr>
+        <p:txBody>
+          <a:bodyPr/>
+          <a:lstStyle/>
+          <a:p>
+            <a:pPr lvl="0" indent="0" marL="0">
+              <a:buNone/>
+            </a:pPr>
+            <a:r>
+              <a:rPr/>
+              <a:t>Skills pay bills</a:t>
+            </a:r>
+          </a:p>
+        </p:txBody>
+      </p:sp>
+      <p:sp>
+        <p:nvSpPr>
+          <p:cNvPr id="3" name="Content Placeholder 2">
+            <a:extLst>
+              <a:ext uri="{FF2B5EF4-FFF2-40B4-BE49-F238E27FC236}">
+                <a16:creationId xmlns:a16="http://schemas.microsoft.com/office/drawing/2014/main" id="{A4EB24F9-04F1-C843-9D71-56C5C024552B}"/>
+              </a:ext>
+            </a:extLst>
+          </p:cNvPr>
+          <p:cNvSpPr>
+            <a:spLocks noGrp="1"/>
+          </p:cNvSpPr>
+          <p:nvPr>
+            <p:ph idx="1"/>
+          </p:nvPr>
+        </p:nvSpPr>
+        <p:spPr/>
+        <p:txBody>
+          <a:bodyPr/>
+          <a:lstStyle/>
+          <a:p>
+            <a:pPr lvl="0" indent="0" marL="0">
+              <a:buNone/>
+            </a:pPr>
+            <a:r>
+              <a:rPr/>
+              <a:t>Research skills and data science skills</a:t>
+            </a:r>
+          </a:p>
+          <a:p>
+            <a:pPr lvl="0" indent="0" marL="0">
+              <a:buNone/>
+            </a:pPr>
+            <a:r>
+              <a:rPr/>
+              <a:t>Employability</a:t>
+            </a:r>
+          </a:p>
+        </p:txBody>
+      </p:sp>
+    </p:spTree>
+  </p:cSld>
+</p:sld>
+</file>
+
+<file path=ppt/slides/slide14.xml><?xml version="1.0" encoding="utf-8"?>
+<p:sld xmlns:a="http://schemas.openxmlformats.org/drawingml/2006/main" xmlns:r="http://schemas.openxmlformats.org/officeDocument/2006/relationships" xmlns:p="http://schemas.openxmlformats.org/presentationml/2006/main">
+  <p:cSld>
+    <p:spTree>
+      <p:nvGrpSpPr>
+        <p:cNvPr id="1" name=""/>
+        <p:cNvGrpSpPr/>
+        <p:nvPr/>
+      </p:nvGrpSpPr>
+      <p:grpSpPr>
+        <a:xfrm>
+          <a:off x="0" y="0"/>
+          <a:ext cx="0" cy="0"/>
+          <a:chOff x="0" y="0"/>
+          <a:chExt cx="0" cy="0"/>
+        </a:xfrm>
+      </p:grpSpPr>
+      <p:sp>
+        <p:nvSpPr>
+          <p:cNvPr id="2" name="Title 1">
+            <a:extLst>
+              <a:ext uri="{FF2B5EF4-FFF2-40B4-BE49-F238E27FC236}">
+                <a16:creationId xmlns:a16="http://schemas.microsoft.com/office/drawing/2014/main" id="{DD9B8E45-0772-954C-8D4B-6E6808DFEDED}"/>
+              </a:ext>
+            </a:extLst>
+          </p:cNvPr>
+          <p:cNvSpPr>
+            <a:spLocks noGrp="1"/>
+          </p:cNvSpPr>
+          <p:nvPr>
+            <p:ph type="title"/>
+          </p:nvPr>
+        </p:nvSpPr>
+        <p:spPr>
+          <a:xfrm>
+            <a:off x="838200" y="365129"/>
+            <a:ext cx="10002520" cy="1325563"/>
+          </a:xfrm>
+          <a:prstGeom prst="rect">
+            <a:avLst/>
+          </a:prstGeom>
+        </p:spPr>
+        <p:txBody>
+          <a:bodyPr/>
+          <a:lstStyle/>
+          <a:p>
+            <a:pPr lvl="0" indent="0" marL="0">
+              <a:buNone/>
+            </a:pPr>
+            <a:r>
+              <a:rPr/>
+              <a:t>Research interest</a:t>
+            </a:r>
+          </a:p>
+        </p:txBody>
+      </p:sp>
+      <p:sp>
+        <p:nvSpPr>
+          <p:cNvPr id="3" name="Content Placeholder 2">
+            <a:extLst>
+              <a:ext uri="{FF2B5EF4-FFF2-40B4-BE49-F238E27FC236}">
+                <a16:creationId xmlns:a16="http://schemas.microsoft.com/office/drawing/2014/main" id="{A4EB24F9-04F1-C843-9D71-56C5C024552B}"/>
+              </a:ext>
+            </a:extLst>
+          </p:cNvPr>
+          <p:cNvSpPr>
+            <a:spLocks noGrp="1"/>
+          </p:cNvSpPr>
+          <p:nvPr>
+            <p:ph idx="1"/>
+          </p:nvPr>
+        </p:nvSpPr>
+        <p:spPr/>
+        <p:txBody>
+          <a:bodyPr/>
+          <a:lstStyle/>
+          <a:p>
+            <a:pPr lvl="0" indent="0" marL="0">
+              <a:buNone/>
+            </a:pPr>
+            <a:r>
+              <a:rPr/>
+              <a:t>Browzine</a:t>
+            </a:r>
+          </a:p>
+          <a:p>
+            <a:pPr lvl="0" indent="0" marL="0">
+              <a:buNone/>
+            </a:pPr>
+            <a:r>
+              <a:rPr/>
+              <a:t>IPIP scales</a:t>
+            </a:r>
+          </a:p>
+        </p:txBody>
+      </p:sp>
+    </p:spTree>
+  </p:cSld>
+</p:sld>
+</file>
+
+<file path=ppt/slides/slide15.xml><?xml version="1.0" encoding="utf-8"?>
+<p:sld xmlns:a="http://schemas.openxmlformats.org/drawingml/2006/main" xmlns:r="http://schemas.openxmlformats.org/officeDocument/2006/relationships" xmlns:p="http://schemas.openxmlformats.org/presentationml/2006/main">
+  <p:cSld>
+    <p:spTree>
+      <p:nvGrpSpPr>
+        <p:cNvPr id="1" name=""/>
+        <p:cNvGrpSpPr/>
+        <p:nvPr/>
+      </p:nvGrpSpPr>
+      <p:grpSpPr>
+        <a:xfrm>
+          <a:off x="0" y="0"/>
+          <a:ext cx="0" cy="0"/>
+          <a:chOff x="0" y="0"/>
+          <a:chExt cx="0" cy="0"/>
+        </a:xfrm>
+      </p:grpSpPr>
+      <p:sp>
+        <p:nvSpPr>
+          <p:cNvPr id="2" name="Title 1">
+            <a:extLst>
+              <a:ext uri="{FF2B5EF4-FFF2-40B4-BE49-F238E27FC236}">
+                <a16:creationId xmlns:a16="http://schemas.microsoft.com/office/drawing/2014/main" id="{DD9B8E45-0772-954C-8D4B-6E6808DFEDED}"/>
+              </a:ext>
+            </a:extLst>
+          </p:cNvPr>
+          <p:cNvSpPr>
+            <a:spLocks noGrp="1"/>
+          </p:cNvSpPr>
+          <p:nvPr>
+            <p:ph type="title"/>
+          </p:nvPr>
+        </p:nvSpPr>
+        <p:spPr>
+          <a:xfrm>
+            <a:off x="838200" y="365129"/>
+            <a:ext cx="10002520" cy="1325563"/>
+          </a:xfrm>
+          <a:prstGeom prst="rect">
+            <a:avLst/>
+          </a:prstGeom>
+        </p:spPr>
+        <p:txBody>
+          <a:bodyPr/>
+          <a:lstStyle/>
+          <a:p>
+            <a:pPr lvl="0" indent="0" marL="0">
+              <a:buNone/>
+            </a:pPr>
+            <a:r>
+              <a:rPr/>
+              <a:t>Lit review</a:t>
+            </a:r>
+          </a:p>
+        </p:txBody>
+      </p:sp>
+      <p:sp>
+        <p:nvSpPr>
+          <p:cNvPr id="3" name="Content Placeholder 2">
+            <a:extLst>
+              <a:ext uri="{FF2B5EF4-FFF2-40B4-BE49-F238E27FC236}">
+                <a16:creationId xmlns:a16="http://schemas.microsoft.com/office/drawing/2014/main" id="{A4EB24F9-04F1-C843-9D71-56C5C024552B}"/>
+              </a:ext>
+            </a:extLst>
+          </p:cNvPr>
+          <p:cNvSpPr>
+            <a:spLocks noGrp="1"/>
+          </p:cNvSpPr>
+          <p:nvPr>
+            <p:ph idx="1"/>
+          </p:nvPr>
+        </p:nvSpPr>
+        <p:spPr/>
+        <p:txBody>
+          <a:bodyPr/>
+          <a:lstStyle/>
+          <a:p>
+            <a:pPr lvl="0" indent="0" marL="0">
+              <a:buNone/>
+            </a:pPr>
+            <a:r>
+              <a:rPr/>
+              <a:t>Zotero</a:t>
+            </a:r>
+          </a:p>
+          <a:p>
+            <a:pPr lvl="0" indent="0" marL="0">
+              <a:buNone/>
+            </a:pPr>
+            <a:r>
+              <a:rPr/>
+              <a:t>Research Rabbit</a:t>
+            </a:r>
+          </a:p>
+          <a:p>
+            <a:pPr lvl="0" indent="0" marL="0">
+              <a:buNone/>
+            </a:pPr>
+            <a:r>
+              <a:rPr/>
+              <a:t>Special Issues/Annual Reviews</a:t>
+            </a:r>
+          </a:p>
+        </p:txBody>
+      </p:sp>
+    </p:spTree>
+  </p:cSld>
+</p:sld>
+</file>
+
 <file path=ppt/slides/slide2.xml><?xml version="1.0" encoding="utf-8"?>
 <p:sld xmlns:a="http://schemas.openxmlformats.org/drawingml/2006/main" xmlns:r="http://schemas.openxmlformats.org/officeDocument/2006/relationships" xmlns:p="http://schemas.openxmlformats.org/presentationml/2006/main">
   <p:cSld>
@@ -5050,7 +5648,7 @@
             </a:pPr>
             <a:r>
               <a:rPr/>
-              <a:t>Y2 Mini Dissertation</a:t>
+              <a:t>Your research here at Goldsmiths</a:t>
             </a:r>
           </a:p>
           <a:p>
@@ -5059,7 +5657,61 @@
             </a:pPr>
             <a:r>
               <a:rPr/>
-              <a:t>Little monkey Video</a:t>
+              <a:t>Opportunities ahead of you</a:t>
+            </a:r>
+          </a:p>
+          <a:p>
+            <a:pPr lvl="0" indent="0" marL="0">
+              <a:buNone/>
+            </a:pPr>
+            <a:r>
+              <a:rPr/>
+              <a:t>Share some tips and tricks</a:t>
+            </a:r>
+          </a:p>
+          <a:p>
+            <a:pPr lvl="0" indent="0" marL="0">
+              <a:buNone/>
+            </a:pPr>
+            <a:r>
+              <a:rPr/>
+              <a:t>Start the credit task</a:t>
+            </a:r>
+          </a:p>
+          <a:p>
+            <a:pPr lvl="0" indent="0" marL="0">
+              <a:buNone/>
+            </a:pPr>
+            <a:r>
+              <a:rPr/>
+              <a:t>BREAK - 10-15 mins</a:t>
+            </a:r>
+          </a:p>
+          <a:p>
+            <a:pPr lvl="0" indent="0" marL="0">
+              <a:buNone/>
+            </a:pPr>
+            <a:r>
+              <a:rPr/>
+              <a:t>A brief overview of my research</a:t>
+            </a:r>
+          </a:p>
+          <a:p>
+            <a:pPr lvl="0" indent="0" marL="0">
+              <a:buNone/>
+            </a:pPr>
+            <a:r>
+              <a:rPr/>
+              <a:t>Today’s Target Paper</a:t>
+            </a:r>
+          </a:p>
+          <a:p>
+            <a:pPr lvl="0" indent="0" marL="0">
+              <a:buNone/>
+            </a:pPr>
+            <a:r>
+              <a:rPr/>
+              <a:t>Questions</a:t>
             </a:r>
           </a:p>
         </p:txBody>
@@ -5091,7 +5743,7 @@
           <p:cNvPr id="2" name="Title 1">
             <a:extLst>
               <a:ext uri="{FF2B5EF4-FFF2-40B4-BE49-F238E27FC236}">
-                <a16:creationId xmlns:a16="http://schemas.microsoft.com/office/drawing/2014/main" id="{DD9B8E45-0772-954C-8D4B-6E6808DFEDED}"/>
+                <a16:creationId xmlns:a16="http://schemas.microsoft.com/office/drawing/2014/main" id="{FF6A6CB2-D1B6-B94A-84C1-83C65423C650}"/>
               </a:ext>
             </a:extLst>
           </p:cNvPr>
@@ -5104,8 +5756,8 @@
         </p:nvSpPr>
         <p:spPr>
           <a:xfrm>
-            <a:off x="838200" y="365129"/>
-            <a:ext cx="10002520" cy="1325563"/>
+            <a:off x="831851" y="1709742"/>
+            <a:ext cx="10515600" cy="2852737"/>
           </a:xfrm>
           <a:prstGeom prst="rect">
             <a:avLst/>
@@ -5119,8 +5771,8 @@
               <a:buNone/>
             </a:pPr>
             <a:r>
-              <a:rPr/>
-              <a:t>Video</a:t>
+              <a:rPr i="1"/>
+              <a:t>“MyPsychology”</a:t>
             </a:r>
           </a:p>
         </p:txBody>
@@ -5152,6 +5804,181 @@
           <p:cNvPr id="2" name="Title 1">
             <a:extLst>
               <a:ext uri="{FF2B5EF4-FFF2-40B4-BE49-F238E27FC236}">
+                <a16:creationId xmlns:a16="http://schemas.microsoft.com/office/drawing/2014/main" id="{2ECFDBC1-527D-3041-984A-EF5E7E9B7495}"/>
+              </a:ext>
+            </a:extLst>
+          </p:cNvPr>
+          <p:cNvSpPr>
+            <a:spLocks noGrp="1"/>
+          </p:cNvSpPr>
+          <p:nvPr>
+            <p:ph type="title"/>
+          </p:nvPr>
+        </p:nvSpPr>
+        <p:spPr>
+          <a:xfrm>
+            <a:off x="838200" y="365129"/>
+            <a:ext cx="10515600" cy="1325563"/>
+          </a:xfrm>
+          <a:prstGeom prst="rect">
+            <a:avLst/>
+          </a:prstGeom>
+        </p:spPr>
+        <p:txBody>
+          <a:bodyPr/>
+          <a:lstStyle/>
+          <a:p>
+            <a:pPr lvl="0" indent="0" marL="0">
+              <a:buNone/>
+            </a:pPr>
+            <a:r>
+              <a:rPr/>
+              <a:t>A brief introduction</a:t>
+            </a:r>
+          </a:p>
+        </p:txBody>
+      </p:sp>
+      <p:sp>
+        <p:nvSpPr>
+          <p:cNvPr id="3" name="Content Placeholder 2">
+            <a:extLst>
+              <a:ext uri="{FF2B5EF4-FFF2-40B4-BE49-F238E27FC236}">
+                <a16:creationId xmlns:a16="http://schemas.microsoft.com/office/drawing/2014/main" id="{63FA7BF1-44B1-744C-AB68-4BB0A6A5977E}"/>
+              </a:ext>
+            </a:extLst>
+          </p:cNvPr>
+          <p:cNvSpPr>
+            <a:spLocks noGrp="1"/>
+          </p:cNvSpPr>
+          <p:nvPr>
+            <p:ph idx="1" sz="half"/>
+          </p:nvPr>
+        </p:nvSpPr>
+        <p:spPr/>
+        <p:txBody>
+          <a:bodyPr/>
+          <a:lstStyle/>
+          <a:p>
+            <a:pPr lvl="0" indent="0" marL="0">
+              <a:buNone/>
+            </a:pPr>
+            <a:r>
+              <a:rPr/>
+              <a:t>Dr. Gordon Wright - Lecturer in Psychology &amp; Dougal</a:t>
+            </a:r>
+          </a:p>
+        </p:txBody>
+      </p:sp>
+      <p:pic>
+        <p:nvPicPr>
+          <p:cNvPr descr="images/DougalMan.PNG" id="0" name="Picture 1"/>
+          <p:cNvPicPr>
+            <a:picLocks noGrp="1" noChangeAspect="1"/>
+          </p:cNvPicPr>
+          <p:nvPr/>
+        </p:nvPicPr>
+        <p:blipFill>
+          <a:blip r:embed="rId2"/>
+          <a:stretch>
+            <a:fillRect/>
+          </a:stretch>
+        </p:blipFill>
+        <p:spPr bwMode="auto">
+          <a:xfrm>
+            <a:off x="7493000" y="1816100"/>
+            <a:ext cx="2540000" cy="4343400"/>
+          </a:xfrm>
+          <a:prstGeom prst="rect">
+            <a:avLst/>
+          </a:prstGeom>
+          <a:noFill/>
+          <a:ln w="9525">
+            <a:noFill/>
+            <a:headEnd/>
+            <a:tailEnd/>
+          </a:ln>
+        </p:spPr>
+      </p:pic>
+    </p:spTree>
+  </p:cSld>
+</p:sld>
+</file>
+
+<file path=ppt/slides/slide6.xml><?xml version="1.0" encoding="utf-8"?>
+<p:sld xmlns:a="http://schemas.openxmlformats.org/drawingml/2006/main" xmlns:r="http://schemas.openxmlformats.org/officeDocument/2006/relationships" xmlns:p="http://schemas.openxmlformats.org/presentationml/2006/main">
+  <p:cSld>
+    <p:spTree>
+      <p:nvGrpSpPr>
+        <p:cNvPr id="1" name=""/>
+        <p:cNvGrpSpPr/>
+        <p:nvPr/>
+      </p:nvGrpSpPr>
+      <p:grpSpPr>
+        <a:xfrm>
+          <a:off x="0" y="0"/>
+          <a:ext cx="0" cy="0"/>
+          <a:chOff x="0" y="0"/>
+          <a:chExt cx="0" cy="0"/>
+        </a:xfrm>
+      </p:grpSpPr>
+      <p:sp>
+        <p:nvSpPr>
+          <p:cNvPr id="3" name="Content Placeholder 2">
+            <a:extLst>
+              <a:ext uri="{FF2B5EF4-FFF2-40B4-BE49-F238E27FC236}">
+                <a16:creationId xmlns:a16="http://schemas.microsoft.com/office/drawing/2014/main" id="{A4EB24F9-04F1-C843-9D71-56C5C024552B}"/>
+              </a:ext>
+            </a:extLst>
+          </p:cNvPr>
+          <p:cNvSpPr>
+            <a:spLocks noGrp="1"/>
+          </p:cNvSpPr>
+          <p:nvPr>
+            <p:ph idx="1"/>
+          </p:nvPr>
+        </p:nvSpPr>
+        <p:spPr/>
+        <p:txBody>
+          <a:bodyPr/>
+          <a:lstStyle/>
+          <a:p>
+            <a:pPr lvl="0" indent="0" marL="0">
+              <a:buNone/>
+            </a:pPr>
+            <a:r>
+              <a:rPr/>
+              <a:t>Little monkey Video</a:t>
+            </a:r>
+          </a:p>
+        </p:txBody>
+      </p:sp>
+    </p:spTree>
+  </p:cSld>
+</p:sld>
+</file>
+
+<file path=ppt/slides/slide7.xml><?xml version="1.0" encoding="utf-8"?>
+<p:sld xmlns:a="http://schemas.openxmlformats.org/drawingml/2006/main" xmlns:r="http://schemas.openxmlformats.org/officeDocument/2006/relationships" xmlns:p="http://schemas.openxmlformats.org/presentationml/2006/main">
+  <p:cSld>
+    <p:spTree>
+      <p:nvGrpSpPr>
+        <p:cNvPr id="1" name=""/>
+        <p:cNvGrpSpPr/>
+        <p:nvPr/>
+      </p:nvGrpSpPr>
+      <p:grpSpPr>
+        <a:xfrm>
+          <a:off x="0" y="0"/>
+          <a:ext cx="0" cy="0"/>
+          <a:chOff x="0" y="0"/>
+          <a:chExt cx="0" cy="0"/>
+        </a:xfrm>
+      </p:grpSpPr>
+      <p:sp>
+        <p:nvSpPr>
+          <p:cNvPr id="2" name="Title 1">
+            <a:extLst>
+              <a:ext uri="{FF2B5EF4-FFF2-40B4-BE49-F238E27FC236}">
                 <a16:creationId xmlns:a16="http://schemas.microsoft.com/office/drawing/2014/main" id="{DD9B8E45-0772-954C-8D4B-6E6808DFEDED}"/>
               </a:ext>
             </a:extLst>
@@ -5181,7 +6008,7 @@
             </a:pPr>
             <a:r>
               <a:rPr/>
-              <a:t>Some easy research!</a:t>
+              <a:t>Video</a:t>
             </a:r>
           </a:p>
         </p:txBody>
@@ -5191,7 +6018,68 @@
 </p:sld>
 </file>
 
-<file path=ppt/slides/slide6.xml><?xml version="1.0" encoding="utf-8"?>
+<file path=ppt/slides/slide8.xml><?xml version="1.0" encoding="utf-8"?>
+<p:sld xmlns:a="http://schemas.openxmlformats.org/drawingml/2006/main" xmlns:r="http://schemas.openxmlformats.org/officeDocument/2006/relationships" xmlns:p="http://schemas.openxmlformats.org/presentationml/2006/main">
+  <p:cSld>
+    <p:spTree>
+      <p:nvGrpSpPr>
+        <p:cNvPr id="1" name=""/>
+        <p:cNvGrpSpPr/>
+        <p:nvPr/>
+      </p:nvGrpSpPr>
+      <p:grpSpPr>
+        <a:xfrm>
+          <a:off x="0" y="0"/>
+          <a:ext cx="0" cy="0"/>
+          <a:chOff x="0" y="0"/>
+          <a:chExt cx="0" cy="0"/>
+        </a:xfrm>
+      </p:grpSpPr>
+      <p:sp>
+        <p:nvSpPr>
+          <p:cNvPr id="2" name="Title 1">
+            <a:extLst>
+              <a:ext uri="{FF2B5EF4-FFF2-40B4-BE49-F238E27FC236}">
+                <a16:creationId xmlns:a16="http://schemas.microsoft.com/office/drawing/2014/main" id="{DD9B8E45-0772-954C-8D4B-6E6808DFEDED}"/>
+              </a:ext>
+            </a:extLst>
+          </p:cNvPr>
+          <p:cNvSpPr>
+            <a:spLocks noGrp="1"/>
+          </p:cNvSpPr>
+          <p:nvPr>
+            <p:ph type="title"/>
+          </p:nvPr>
+        </p:nvSpPr>
+        <p:spPr>
+          <a:xfrm>
+            <a:off x="838200" y="365129"/>
+            <a:ext cx="10002520" cy="1325563"/>
+          </a:xfrm>
+          <a:prstGeom prst="rect">
+            <a:avLst/>
+          </a:prstGeom>
+        </p:spPr>
+        <p:txBody>
+          <a:bodyPr/>
+          <a:lstStyle/>
+          <a:p>
+            <a:pPr lvl="0" indent="0" marL="0">
+              <a:buNone/>
+            </a:pPr>
+            <a:r>
+              <a:rPr/>
+              <a:t>Some easy research!</a:t>
+            </a:r>
+          </a:p>
+        </p:txBody>
+      </p:sp>
+    </p:spTree>
+  </p:cSld>
+</p:sld>
+</file>
+
+<file path=ppt/slides/slide9.xml><?xml version="1.0" encoding="utf-8"?>
 <p:sld xmlns:a="http://schemas.openxmlformats.org/drawingml/2006/main" xmlns:r="http://schemas.openxmlformats.org/officeDocument/2006/relationships" xmlns:p="http://schemas.openxmlformats.org/presentationml/2006/main">
   <p:cSld>
     <p:spTree>

--- a/_site/lectures/Lecture08/PS51009Week8.pptx
+++ b/_site/lectures/Lecture08/PS51009Week8.pptx
@@ -20,6 +20,10 @@
     <p:sldId id="268" r:id="rId14"/>
     <p:sldId id="269" r:id="rId15"/>
     <p:sldId id="270" r:id="rId16"/>
+    <p:sldId id="271" r:id="rId17"/>
+    <p:sldId id="272" r:id="rId18"/>
+    <p:sldId id="273" r:id="rId19"/>
+    <p:sldId id="274" r:id="rId20"/>
   </p:sldIdLst>
   <p:sldSz cx="12192000" cy="6858000"/>
   <p:notesSz cx="6858000" cy="9144000"/>
@@ -5006,7 +5010,7 @@
             </a:pPr>
             <a:r>
               <a:rPr/>
-              <a:t>MyPsychology</a:t>
+              <a:t>Video</a:t>
             </a:r>
           </a:p>
         </p:txBody>
@@ -5067,7 +5071,7 @@
             </a:pPr>
             <a:r>
               <a:rPr/>
-              <a:t>Your aspirations?</a:t>
+              <a:t>Some easy research!</a:t>
             </a:r>
           </a:p>
         </p:txBody>
@@ -5127,102 +5131,10 @@
               <a:buNone/>
             </a:pPr>
             <a:r>
-              <a:rPr/>
-              <a:t>Your research ‘career’ ahead of you</a:t>
-            </a:r>
-          </a:p>
-        </p:txBody>
-      </p:sp>
-      <p:sp>
-        <p:nvSpPr>
-          <p:cNvPr id="3" name="Content Placeholder 2">
-            <a:extLst>
-              <a:ext uri="{FF2B5EF4-FFF2-40B4-BE49-F238E27FC236}">
-                <a16:creationId xmlns:a16="http://schemas.microsoft.com/office/drawing/2014/main" id="{A4EB24F9-04F1-C843-9D71-56C5C024552B}"/>
-              </a:ext>
-            </a:extLst>
-          </p:cNvPr>
-          <p:cNvSpPr>
-            <a:spLocks noGrp="1"/>
-          </p:cNvSpPr>
-          <p:nvPr>
-            <p:ph idx="1"/>
-          </p:nvPr>
-        </p:nvSpPr>
-        <p:spPr/>
-        <p:txBody>
-          <a:bodyPr/>
-          <a:lstStyle/>
-          <a:p>
-            <a:pPr lvl="0" indent="0" marL="0">
-              <a:buNone/>
-            </a:pPr>
-            <a:r>
-              <a:rPr/>
-              <a:t>RPS</a:t>
-            </a:r>
-          </a:p>
-          <a:p>
-            <a:pPr lvl="0" indent="0" marL="0">
-              <a:buNone/>
-            </a:pPr>
-            <a:r>
-              <a:rPr/>
-              <a:t>EE</a:t>
-            </a:r>
-          </a:p>
-          <a:p>
-            <a:pPr lvl="0" indent="0" marL="0">
-              <a:buNone/>
-            </a:pPr>
-            <a:r>
-              <a:rPr/>
-              <a:t>MD</a:t>
-            </a:r>
-          </a:p>
-          <a:p>
-            <a:pPr lvl="0" indent="0" marL="0">
-              <a:buNone/>
-            </a:pPr>
-            <a:r>
-              <a:rPr/>
-              <a:t>Summer Bursary</a:t>
-            </a:r>
-          </a:p>
-          <a:p>
-            <a:pPr lvl="0" indent="0" marL="0">
-              <a:buNone/>
-            </a:pPr>
-            <a:r>
-              <a:rPr/>
-              <a:t>Y3 Diss</a:t>
-            </a:r>
-          </a:p>
-          <a:p>
-            <a:pPr lvl="0" indent="0" marL="0">
-              <a:buNone/>
-            </a:pPr>
-            <a:r>
-              <a:rPr/>
-              <a:t>1+3</a:t>
-            </a:r>
-          </a:p>
-          <a:p>
-            <a:pPr lvl="0" indent="0" marL="0">
-              <a:buNone/>
-            </a:pPr>
-            <a:r>
-              <a:rPr/>
-              <a:t>(MSc)</a:t>
-            </a:r>
-          </a:p>
-          <a:p>
-            <a:pPr lvl="0" indent="0" marL="0">
-              <a:buNone/>
-            </a:pPr>
-            <a:r>
-              <a:rPr/>
-              <a:t>(PhD) or Doctorate.</a:t>
+              <a:rPr>
+                <a:hlinkClick r:id="rId2"/>
+              </a:rPr>
+              <a:t>BBC Horizon: The Honesty Experiment</a:t>
             </a:r>
           </a:p>
         </p:txBody>
@@ -5283,47 +5195,7 @@
             </a:pPr>
             <a:r>
               <a:rPr/>
-              <a:t>Skills pay bills</a:t>
-            </a:r>
-          </a:p>
-        </p:txBody>
-      </p:sp>
-      <p:sp>
-        <p:nvSpPr>
-          <p:cNvPr id="3" name="Content Placeholder 2">
-            <a:extLst>
-              <a:ext uri="{FF2B5EF4-FFF2-40B4-BE49-F238E27FC236}">
-                <a16:creationId xmlns:a16="http://schemas.microsoft.com/office/drawing/2014/main" id="{A4EB24F9-04F1-C843-9D71-56C5C024552B}"/>
-              </a:ext>
-            </a:extLst>
-          </p:cNvPr>
-          <p:cNvSpPr>
-            <a:spLocks noGrp="1"/>
-          </p:cNvSpPr>
-          <p:nvPr>
-            <p:ph idx="1"/>
-          </p:nvPr>
-        </p:nvSpPr>
-        <p:spPr/>
-        <p:txBody>
-          <a:bodyPr/>
-          <a:lstStyle/>
-          <a:p>
-            <a:pPr lvl="0" indent="0" marL="0">
-              <a:buNone/>
-            </a:pPr>
-            <a:r>
-              <a:rPr/>
-              <a:t>Research skills and data science skills</a:t>
-            </a:r>
-          </a:p>
-          <a:p>
-            <a:pPr lvl="0" indent="0" marL="0">
-              <a:buNone/>
-            </a:pPr>
-            <a:r>
-              <a:rPr/>
-              <a:t>Employability</a:t>
+              <a:t>MyPsychology</a:t>
             </a:r>
           </a:p>
         </p:txBody>
@@ -5350,85 +5222,6 @@
           <a:chExt cx="0" cy="0"/>
         </a:xfrm>
       </p:grpSpPr>
-      <p:sp>
-        <p:nvSpPr>
-          <p:cNvPr id="2" name="Title 1">
-            <a:extLst>
-              <a:ext uri="{FF2B5EF4-FFF2-40B4-BE49-F238E27FC236}">
-                <a16:creationId xmlns:a16="http://schemas.microsoft.com/office/drawing/2014/main" id="{DD9B8E45-0772-954C-8D4B-6E6808DFEDED}"/>
-              </a:ext>
-            </a:extLst>
-          </p:cNvPr>
-          <p:cNvSpPr>
-            <a:spLocks noGrp="1"/>
-          </p:cNvSpPr>
-          <p:nvPr>
-            <p:ph type="title"/>
-          </p:nvPr>
-        </p:nvSpPr>
-        <p:spPr>
-          <a:xfrm>
-            <a:off x="838200" y="365129"/>
-            <a:ext cx="10002520" cy="1325563"/>
-          </a:xfrm>
-          <a:prstGeom prst="rect">
-            <a:avLst/>
-          </a:prstGeom>
-        </p:spPr>
-        <p:txBody>
-          <a:bodyPr/>
-          <a:lstStyle/>
-          <a:p>
-            <a:pPr lvl="0" indent="0" marL="0">
-              <a:buNone/>
-            </a:pPr>
-            <a:r>
-              <a:rPr/>
-              <a:t>Research interest</a:t>
-            </a:r>
-          </a:p>
-        </p:txBody>
-      </p:sp>
-      <p:sp>
-        <p:nvSpPr>
-          <p:cNvPr id="3" name="Content Placeholder 2">
-            <a:extLst>
-              <a:ext uri="{FF2B5EF4-FFF2-40B4-BE49-F238E27FC236}">
-                <a16:creationId xmlns:a16="http://schemas.microsoft.com/office/drawing/2014/main" id="{A4EB24F9-04F1-C843-9D71-56C5C024552B}"/>
-              </a:ext>
-            </a:extLst>
-          </p:cNvPr>
-          <p:cNvSpPr>
-            <a:spLocks noGrp="1"/>
-          </p:cNvSpPr>
-          <p:nvPr>
-            <p:ph idx="1"/>
-          </p:nvPr>
-        </p:nvSpPr>
-        <p:spPr/>
-        <p:txBody>
-          <a:bodyPr/>
-          <a:lstStyle/>
-          <a:p>
-            <a:pPr lvl="0" indent="0" marL="0">
-              <a:buNone/>
-            </a:pPr>
-            <a:r>
-              <a:rPr/>
-              <a:t>Browzine</a:t>
-            </a:r>
-          </a:p>
-          <a:p>
-            <a:pPr lvl="0" indent="0" marL="0">
-              <a:buNone/>
-            </a:pPr>
-            <a:r>
-              <a:rPr/>
-              <a:t>IPIP scales</a:t>
-            </a:r>
-          </a:p>
-        </p:txBody>
-      </p:sp>
     </p:spTree>
   </p:cSld>
 </p:sld>
@@ -5485,6 +5278,363 @@
             </a:pPr>
             <a:r>
               <a:rPr/>
+              <a:t>Your research ‘career’ ahead of you</a:t>
+            </a:r>
+          </a:p>
+        </p:txBody>
+      </p:sp>
+      <p:sp>
+        <p:nvSpPr>
+          <p:cNvPr id="3" name="Content Placeholder 2">
+            <a:extLst>
+              <a:ext uri="{FF2B5EF4-FFF2-40B4-BE49-F238E27FC236}">
+                <a16:creationId xmlns:a16="http://schemas.microsoft.com/office/drawing/2014/main" id="{A4EB24F9-04F1-C843-9D71-56C5C024552B}"/>
+              </a:ext>
+            </a:extLst>
+          </p:cNvPr>
+          <p:cNvSpPr>
+            <a:spLocks noGrp="1"/>
+          </p:cNvSpPr>
+          <p:nvPr>
+            <p:ph idx="1"/>
+          </p:nvPr>
+        </p:nvSpPr>
+        <p:spPr/>
+        <p:txBody>
+          <a:bodyPr/>
+          <a:lstStyle/>
+          <a:p>
+            <a:pPr lvl="0" indent="0" marL="0">
+              <a:buNone/>
+            </a:pPr>
+            <a:r>
+              <a:rPr/>
+              <a:t>RPS</a:t>
+            </a:r>
+          </a:p>
+          <a:p>
+            <a:pPr lvl="0" indent="0" marL="0">
+              <a:buNone/>
+            </a:pPr>
+            <a:r>
+              <a:rPr/>
+              <a:t>EE</a:t>
+            </a:r>
+          </a:p>
+          <a:p>
+            <a:pPr lvl="0" indent="0" marL="0">
+              <a:buNone/>
+            </a:pPr>
+            <a:r>
+              <a:rPr/>
+              <a:t>MD</a:t>
+            </a:r>
+          </a:p>
+          <a:p>
+            <a:pPr lvl="0" indent="0" marL="0">
+              <a:buNone/>
+            </a:pPr>
+            <a:r>
+              <a:rPr/>
+              <a:t>Summer Bursary</a:t>
+            </a:r>
+          </a:p>
+          <a:p>
+            <a:pPr lvl="0" indent="0" marL="0">
+              <a:buNone/>
+            </a:pPr>
+            <a:r>
+              <a:rPr/>
+              <a:t>Y3 Diss</a:t>
+            </a:r>
+          </a:p>
+          <a:p>
+            <a:pPr lvl="0" indent="0" marL="0">
+              <a:buNone/>
+            </a:pPr>
+            <a:r>
+              <a:rPr/>
+              <a:t>1+3</a:t>
+            </a:r>
+          </a:p>
+          <a:p>
+            <a:pPr lvl="0" indent="0" marL="0">
+              <a:buNone/>
+            </a:pPr>
+            <a:r>
+              <a:rPr/>
+              <a:t>(MSc)</a:t>
+            </a:r>
+          </a:p>
+          <a:p>
+            <a:pPr lvl="0" indent="0" marL="0">
+              <a:buNone/>
+            </a:pPr>
+            <a:r>
+              <a:rPr/>
+              <a:t>(PhD) or Doctorate.</a:t>
+            </a:r>
+          </a:p>
+        </p:txBody>
+      </p:sp>
+    </p:spTree>
+  </p:cSld>
+</p:sld>
+</file>
+
+<file path=ppt/slides/slide16.xml><?xml version="1.0" encoding="utf-8"?>
+<p:sld xmlns:a="http://schemas.openxmlformats.org/drawingml/2006/main" xmlns:r="http://schemas.openxmlformats.org/officeDocument/2006/relationships" xmlns:p="http://schemas.openxmlformats.org/presentationml/2006/main">
+  <p:cSld>
+    <p:spTree>
+      <p:nvGrpSpPr>
+        <p:cNvPr id="1" name=""/>
+        <p:cNvGrpSpPr/>
+        <p:nvPr/>
+      </p:nvGrpSpPr>
+      <p:grpSpPr>
+        <a:xfrm>
+          <a:off x="0" y="0"/>
+          <a:ext cx="0" cy="0"/>
+          <a:chOff x="0" y="0"/>
+          <a:chExt cx="0" cy="0"/>
+        </a:xfrm>
+      </p:grpSpPr>
+      <p:sp>
+        <p:nvSpPr>
+          <p:cNvPr id="2" name="Title 1">
+            <a:extLst>
+              <a:ext uri="{FF2B5EF4-FFF2-40B4-BE49-F238E27FC236}">
+                <a16:creationId xmlns:a16="http://schemas.microsoft.com/office/drawing/2014/main" id="{DD9B8E45-0772-954C-8D4B-6E6808DFEDED}"/>
+              </a:ext>
+            </a:extLst>
+          </p:cNvPr>
+          <p:cNvSpPr>
+            <a:spLocks noGrp="1"/>
+          </p:cNvSpPr>
+          <p:nvPr>
+            <p:ph type="title"/>
+          </p:nvPr>
+        </p:nvSpPr>
+        <p:spPr>
+          <a:xfrm>
+            <a:off x="838200" y="365129"/>
+            <a:ext cx="10002520" cy="1325563"/>
+          </a:xfrm>
+          <a:prstGeom prst="rect">
+            <a:avLst/>
+          </a:prstGeom>
+        </p:spPr>
+        <p:txBody>
+          <a:bodyPr/>
+          <a:lstStyle/>
+          <a:p>
+            <a:pPr lvl="0" indent="0" marL="0">
+              <a:buNone/>
+            </a:pPr>
+            <a:r>
+              <a:rPr/>
+              <a:t>Skills pay bills</a:t>
+            </a:r>
+          </a:p>
+        </p:txBody>
+      </p:sp>
+      <p:sp>
+        <p:nvSpPr>
+          <p:cNvPr id="3" name="Content Placeholder 2">
+            <a:extLst>
+              <a:ext uri="{FF2B5EF4-FFF2-40B4-BE49-F238E27FC236}">
+                <a16:creationId xmlns:a16="http://schemas.microsoft.com/office/drawing/2014/main" id="{A4EB24F9-04F1-C843-9D71-56C5C024552B}"/>
+              </a:ext>
+            </a:extLst>
+          </p:cNvPr>
+          <p:cNvSpPr>
+            <a:spLocks noGrp="1"/>
+          </p:cNvSpPr>
+          <p:nvPr>
+            <p:ph idx="1"/>
+          </p:nvPr>
+        </p:nvSpPr>
+        <p:spPr/>
+        <p:txBody>
+          <a:bodyPr/>
+          <a:lstStyle/>
+          <a:p>
+            <a:pPr lvl="0" indent="0" marL="0">
+              <a:buNone/>
+            </a:pPr>
+            <a:r>
+              <a:rPr/>
+              <a:t>Research skills and data science skills</a:t>
+            </a:r>
+          </a:p>
+          <a:p>
+            <a:pPr lvl="0" indent="0" marL="0">
+              <a:buNone/>
+            </a:pPr>
+            <a:r>
+              <a:rPr/>
+              <a:t>Employability</a:t>
+            </a:r>
+          </a:p>
+        </p:txBody>
+      </p:sp>
+    </p:spTree>
+  </p:cSld>
+</p:sld>
+</file>
+
+<file path=ppt/slides/slide17.xml><?xml version="1.0" encoding="utf-8"?>
+<p:sld xmlns:a="http://schemas.openxmlformats.org/drawingml/2006/main" xmlns:r="http://schemas.openxmlformats.org/officeDocument/2006/relationships" xmlns:p="http://schemas.openxmlformats.org/presentationml/2006/main">
+  <p:cSld>
+    <p:spTree>
+      <p:nvGrpSpPr>
+        <p:cNvPr id="1" name=""/>
+        <p:cNvGrpSpPr/>
+        <p:nvPr/>
+      </p:nvGrpSpPr>
+      <p:grpSpPr>
+        <a:xfrm>
+          <a:off x="0" y="0"/>
+          <a:ext cx="0" cy="0"/>
+          <a:chOff x="0" y="0"/>
+          <a:chExt cx="0" cy="0"/>
+        </a:xfrm>
+      </p:grpSpPr>
+      <p:sp>
+        <p:nvSpPr>
+          <p:cNvPr id="2" name="Title 1">
+            <a:extLst>
+              <a:ext uri="{FF2B5EF4-FFF2-40B4-BE49-F238E27FC236}">
+                <a16:creationId xmlns:a16="http://schemas.microsoft.com/office/drawing/2014/main" id="{DD9B8E45-0772-954C-8D4B-6E6808DFEDED}"/>
+              </a:ext>
+            </a:extLst>
+          </p:cNvPr>
+          <p:cNvSpPr>
+            <a:spLocks noGrp="1"/>
+          </p:cNvSpPr>
+          <p:nvPr>
+            <p:ph type="title"/>
+          </p:nvPr>
+        </p:nvSpPr>
+        <p:spPr>
+          <a:xfrm>
+            <a:off x="838200" y="365129"/>
+            <a:ext cx="10002520" cy="1325563"/>
+          </a:xfrm>
+          <a:prstGeom prst="rect">
+            <a:avLst/>
+          </a:prstGeom>
+        </p:spPr>
+        <p:txBody>
+          <a:bodyPr/>
+          <a:lstStyle/>
+          <a:p>
+            <a:pPr lvl="0" indent="0" marL="0">
+              <a:buNone/>
+            </a:pPr>
+            <a:r>
+              <a:rPr/>
+              <a:t>Research interest</a:t>
+            </a:r>
+          </a:p>
+        </p:txBody>
+      </p:sp>
+      <p:sp>
+        <p:nvSpPr>
+          <p:cNvPr id="3" name="Content Placeholder 2">
+            <a:extLst>
+              <a:ext uri="{FF2B5EF4-FFF2-40B4-BE49-F238E27FC236}">
+                <a16:creationId xmlns:a16="http://schemas.microsoft.com/office/drawing/2014/main" id="{A4EB24F9-04F1-C843-9D71-56C5C024552B}"/>
+              </a:ext>
+            </a:extLst>
+          </p:cNvPr>
+          <p:cNvSpPr>
+            <a:spLocks noGrp="1"/>
+          </p:cNvSpPr>
+          <p:nvPr>
+            <p:ph idx="1"/>
+          </p:nvPr>
+        </p:nvSpPr>
+        <p:spPr/>
+        <p:txBody>
+          <a:bodyPr/>
+          <a:lstStyle/>
+          <a:p>
+            <a:pPr lvl="0" indent="0" marL="0">
+              <a:buNone/>
+            </a:pPr>
+            <a:r>
+              <a:rPr/>
+              <a:t>Browzine</a:t>
+            </a:r>
+          </a:p>
+          <a:p>
+            <a:pPr lvl="0" indent="0" marL="0">
+              <a:buNone/>
+            </a:pPr>
+            <a:r>
+              <a:rPr/>
+              <a:t>IPIP scales</a:t>
+            </a:r>
+          </a:p>
+        </p:txBody>
+      </p:sp>
+    </p:spTree>
+  </p:cSld>
+</p:sld>
+</file>
+
+<file path=ppt/slides/slide18.xml><?xml version="1.0" encoding="utf-8"?>
+<p:sld xmlns:a="http://schemas.openxmlformats.org/drawingml/2006/main" xmlns:r="http://schemas.openxmlformats.org/officeDocument/2006/relationships" xmlns:p="http://schemas.openxmlformats.org/presentationml/2006/main">
+  <p:cSld>
+    <p:spTree>
+      <p:nvGrpSpPr>
+        <p:cNvPr id="1" name=""/>
+        <p:cNvGrpSpPr/>
+        <p:nvPr/>
+      </p:nvGrpSpPr>
+      <p:grpSpPr>
+        <a:xfrm>
+          <a:off x="0" y="0"/>
+          <a:ext cx="0" cy="0"/>
+          <a:chOff x="0" y="0"/>
+          <a:chExt cx="0" cy="0"/>
+        </a:xfrm>
+      </p:grpSpPr>
+      <p:sp>
+        <p:nvSpPr>
+          <p:cNvPr id="2" name="Title 1">
+            <a:extLst>
+              <a:ext uri="{FF2B5EF4-FFF2-40B4-BE49-F238E27FC236}">
+                <a16:creationId xmlns:a16="http://schemas.microsoft.com/office/drawing/2014/main" id="{DD9B8E45-0772-954C-8D4B-6E6808DFEDED}"/>
+              </a:ext>
+            </a:extLst>
+          </p:cNvPr>
+          <p:cNvSpPr>
+            <a:spLocks noGrp="1"/>
+          </p:cNvSpPr>
+          <p:nvPr>
+            <p:ph type="title"/>
+          </p:nvPr>
+        </p:nvSpPr>
+        <p:spPr>
+          <a:xfrm>
+            <a:off x="838200" y="365129"/>
+            <a:ext cx="10002520" cy="1325563"/>
+          </a:xfrm>
+          <a:prstGeom prst="rect">
+            <a:avLst/>
+          </a:prstGeom>
+        </p:spPr>
+        <p:txBody>
+          <a:bodyPr/>
+          <a:lstStyle/>
+          <a:p>
+            <a:pPr lvl="0" indent="0" marL="0">
+              <a:buNone/>
+            </a:pPr>
+            <a:r>
+              <a:rPr/>
               <a:t>Lit review</a:t>
             </a:r>
           </a:p>
@@ -5535,6 +5685,67 @@
             <a:r>
               <a:rPr/>
               <a:t>Special Issues/Annual Reviews</a:t>
+            </a:r>
+          </a:p>
+        </p:txBody>
+      </p:sp>
+    </p:spTree>
+  </p:cSld>
+</p:sld>
+</file>
+
+<file path=ppt/slides/slide19.xml><?xml version="1.0" encoding="utf-8"?>
+<p:sld xmlns:a="http://schemas.openxmlformats.org/drawingml/2006/main" xmlns:r="http://schemas.openxmlformats.org/officeDocument/2006/relationships" xmlns:p="http://schemas.openxmlformats.org/presentationml/2006/main">
+  <p:cSld>
+    <p:spTree>
+      <p:nvGrpSpPr>
+        <p:cNvPr id="1" name=""/>
+        <p:cNvGrpSpPr/>
+        <p:nvPr/>
+      </p:nvGrpSpPr>
+      <p:grpSpPr>
+        <a:xfrm>
+          <a:off x="0" y="0"/>
+          <a:ext cx="0" cy="0"/>
+          <a:chOff x="0" y="0"/>
+          <a:chExt cx="0" cy="0"/>
+        </a:xfrm>
+      </p:grpSpPr>
+      <p:sp>
+        <p:nvSpPr>
+          <p:cNvPr id="2" name="Title 1">
+            <a:extLst>
+              <a:ext uri="{FF2B5EF4-FFF2-40B4-BE49-F238E27FC236}">
+                <a16:creationId xmlns:a16="http://schemas.microsoft.com/office/drawing/2014/main" id="{DD9B8E45-0772-954C-8D4B-6E6808DFEDED}"/>
+              </a:ext>
+            </a:extLst>
+          </p:cNvPr>
+          <p:cNvSpPr>
+            <a:spLocks noGrp="1"/>
+          </p:cNvSpPr>
+          <p:nvPr>
+            <p:ph type="title"/>
+          </p:nvPr>
+        </p:nvSpPr>
+        <p:spPr>
+          <a:xfrm>
+            <a:off x="838200" y="365129"/>
+            <a:ext cx="10002520" cy="1325563"/>
+          </a:xfrm>
+          <a:prstGeom prst="rect">
+            <a:avLst/>
+          </a:prstGeom>
+        </p:spPr>
+        <p:txBody>
+          <a:bodyPr/>
+          <a:lstStyle/>
+          <a:p>
+            <a:pPr lvl="0" indent="0" marL="0">
+              <a:buNone/>
+            </a:pPr>
+            <a:r>
+              <a:rPr/>
+              <a:t>References</a:t>
             </a:r>
           </a:p>
         </p:txBody>
@@ -5648,16 +5859,7 @@
             </a:pPr>
             <a:r>
               <a:rPr/>
-              <a:t>Your research here at Goldsmiths</a:t>
-            </a:r>
-          </a:p>
-          <a:p>
-            <a:pPr lvl="0" indent="0" marL="0">
-              <a:buNone/>
-            </a:pPr>
-            <a:r>
-              <a:rPr/>
-              <a:t>Opportunities ahead of you</a:t>
+              <a:t>Your research here at Goldsmiths and some opportunities that lie ahead</a:t>
             </a:r>
           </a:p>
           <a:p>
@@ -5675,7 +5877,7 @@
             </a:pPr>
             <a:r>
               <a:rPr/>
-              <a:t>Start the credit task</a:t>
+              <a:t>Start the Research Participation Scheme task for today</a:t>
             </a:r>
           </a:p>
           <a:p>
@@ -5833,7 +6035,7 @@
             </a:pPr>
             <a:r>
               <a:rPr/>
-              <a:t>A brief introduction</a:t>
+              <a:t>A brief introduction to me</a:t>
             </a:r>
           </a:p>
         </p:txBody>
@@ -5864,7 +6066,43 @@
             </a:pPr>
             <a:r>
               <a:rPr/>
-              <a:t>Dr. Gordon Wright - Lecturer in Psychology &amp; Dougal</a:t>
+              <a:t>Dr. Gordon Wright</a:t>
+            </a:r>
+          </a:p>
+          <a:p>
+            <a:pPr lvl="0" indent="0" marL="0">
+              <a:buNone/>
+            </a:pPr>
+            <a:r>
+              <a:rPr/>
+              <a:t>Lecturer in Psychology</a:t>
+            </a:r>
+          </a:p>
+          <a:p>
+            <a:pPr lvl="0" indent="0" marL="0">
+              <a:buNone/>
+            </a:pPr>
+            <a:r>
+              <a:rPr/>
+              <a:t>MC - Y2 Research Methods</a:t>
+            </a:r>
+          </a:p>
+          <a:p>
+            <a:pPr lvl="0" indent="0" marL="0">
+              <a:buNone/>
+            </a:pPr>
+            <a:r>
+              <a:rPr/>
+              <a:t>g.wright@gold.ac.uk</a:t>
+            </a:r>
+          </a:p>
+          <a:p>
+            <a:pPr lvl="0" indent="0" marL="0">
+              <a:buNone/>
+            </a:pPr>
+            <a:r>
+              <a:rPr/>
+              <a:t>&amp; Dougal (insta: DougalMania)</a:t>
             </a:r>
           </a:p>
         </p:txBody>
@@ -5923,6 +6161,45 @@
       </p:grpSpPr>
       <p:sp>
         <p:nvSpPr>
+          <p:cNvPr id="2" name="Title 1">
+            <a:extLst>
+              <a:ext uri="{FF2B5EF4-FFF2-40B4-BE49-F238E27FC236}">
+                <a16:creationId xmlns:a16="http://schemas.microsoft.com/office/drawing/2014/main" id="{DD9B8E45-0772-954C-8D4B-6E6808DFEDED}"/>
+              </a:ext>
+            </a:extLst>
+          </p:cNvPr>
+          <p:cNvSpPr>
+            <a:spLocks noGrp="1"/>
+          </p:cNvSpPr>
+          <p:nvPr>
+            <p:ph type="title"/>
+          </p:nvPr>
+        </p:nvSpPr>
+        <p:spPr>
+          <a:xfrm>
+            <a:off x="838200" y="365129"/>
+            <a:ext cx="10002520" cy="1325563"/>
+          </a:xfrm>
+          <a:prstGeom prst="rect">
+            <a:avLst/>
+          </a:prstGeom>
+        </p:spPr>
+        <p:txBody>
+          <a:bodyPr/>
+          <a:lstStyle/>
+          <a:p>
+            <a:pPr lvl="0" indent="0" marL="0">
+              <a:buNone/>
+            </a:pPr>
+            <a:r>
+              <a:rPr/>
+              <a:t>But who are you?</a:t>
+            </a:r>
+          </a:p>
+        </p:txBody>
+      </p:sp>
+      <p:sp>
+        <p:nvSpPr>
           <p:cNvPr id="3" name="Content Placeholder 2">
             <a:extLst>
               <a:ext uri="{FF2B5EF4-FFF2-40B4-BE49-F238E27FC236}">
@@ -5942,18 +6219,266 @@
           <a:bodyPr/>
           <a:lstStyle/>
           <a:p>
-            <a:pPr lvl="0" indent="0" marL="0">
-              <a:buNone/>
-            </a:pPr>
+            <a:pPr lvl="0"/>
             <a:r>
               <a:rPr/>
-              <a:t>Little monkey Video</a:t>
+              <a:t>What do I need to know?</a:t>
+            </a:r>
+          </a:p>
+          <a:p>
+            <a:pPr lvl="0"/>
+            <a:r>
+              <a:rPr/>
+              <a:t>Why did you choose to study at Goldsmiths?</a:t>
+            </a:r>
+          </a:p>
+          <a:p>
+            <a:pPr lvl="0"/>
+            <a:r>
+              <a:rPr/>
+              <a:t>Why Psychology?</a:t>
+            </a:r>
+          </a:p>
+          <a:p>
+            <a:pPr lvl="0"/>
+            <a:r>
+              <a:rPr/>
+              <a:t>What do you hope to do with your Psychology degree?</a:t>
             </a:r>
           </a:p>
         </p:txBody>
       </p:sp>
     </p:spTree>
   </p:cSld>
+  <p:timing>
+    <p:tnLst>
+      <p:par>
+        <p:cTn id="1" dur="indefinite" restart="never" nodeType="tmRoot">
+          <p:childTnLst>
+            <p:seq concurrent="1" nextAc="seek">
+              <p:cTn id="2" dur="indefinite" nodeType="mainSeq">
+                <p:childTnLst>
+                  <p:par>
+                    <p:cTn id="3" fill="hold">
+                      <p:stCondLst>
+                        <p:cond delay="indefinite"/>
+                      </p:stCondLst>
+                      <p:childTnLst>
+                        <p:par>
+                          <p:cTn id="4" fill="hold">
+                            <p:stCondLst>
+                              <p:cond delay="0"/>
+                            </p:stCondLst>
+                            <p:childTnLst>
+                              <p:par>
+                                <p:cTn id="5" presetID="1" presetClass="entr" presetSubtype="0" fill="hold" grpId="0" nodeType="clickEffect">
+                                  <p:stCondLst>
+                                    <p:cond delay="0"/>
+                                  </p:stCondLst>
+                                  <p:childTnLst>
+                                    <p:set>
+                                      <p:cBhvr>
+                                        <p:cTn id="6" dur="1" fill="hold">
+                                          <p:stCondLst>
+                                            <p:cond delay="0"/>
+                                          </p:stCondLst>
+                                        </p:cTn>
+                                        <p:tgtEl>
+                                          <p:spTgt spid="3">
+                                            <p:txEl>
+                                              <p:pRg st="0" end="0"/>
+                                            </p:txEl>
+                                          </p:spTgt>
+                                        </p:tgtEl>
+                                        <p:attrNameLst>
+                                          <p:attrName>style.visibility</p:attrName>
+                                        </p:attrNameLst>
+                                      </p:cBhvr>
+                                      <p:to>
+                                        <p:strVal val="visible"/>
+                                      </p:to>
+                                    </p:set>
+                                  </p:childTnLst>
+                                </p:cTn>
+                              </p:par>
+                            </p:childTnLst>
+                          </p:cTn>
+                        </p:par>
+                      </p:childTnLst>
+                    </p:cTn>
+                  </p:par>
+                  <p:par>
+                    <p:cTn id="7" fill="hold">
+                      <p:stCondLst>
+                        <p:cond delay="indefinite"/>
+                      </p:stCondLst>
+                      <p:childTnLst>
+                        <p:par>
+                          <p:cTn id="8" fill="hold">
+                            <p:stCondLst>
+                              <p:cond delay="0"/>
+                            </p:stCondLst>
+                            <p:childTnLst>
+                              <p:par>
+                                <p:cTn id="9" presetID="1" presetClass="entr" presetSubtype="0" fill="hold" grpId="0" nodeType="clickEffect">
+                                  <p:stCondLst>
+                                    <p:cond delay="0"/>
+                                  </p:stCondLst>
+                                  <p:childTnLst>
+                                    <p:set>
+                                      <p:cBhvr>
+                                        <p:cTn id="10" dur="1" fill="hold">
+                                          <p:stCondLst>
+                                            <p:cond delay="0"/>
+                                          </p:stCondLst>
+                                        </p:cTn>
+                                        <p:tgtEl>
+                                          <p:spTgt spid="3">
+                                            <p:txEl>
+                                              <p:pRg st="1" end="1"/>
+                                            </p:txEl>
+                                          </p:spTgt>
+                                        </p:tgtEl>
+                                        <p:attrNameLst>
+                                          <p:attrName>style.visibility</p:attrName>
+                                        </p:attrNameLst>
+                                      </p:cBhvr>
+                                      <p:to>
+                                        <p:strVal val="visible"/>
+                                      </p:to>
+                                    </p:set>
+                                  </p:childTnLst>
+                                </p:cTn>
+                              </p:par>
+                            </p:childTnLst>
+                          </p:cTn>
+                        </p:par>
+                      </p:childTnLst>
+                    </p:cTn>
+                  </p:par>
+                  <p:par>
+                    <p:cTn id="11" fill="hold">
+                      <p:stCondLst>
+                        <p:cond delay="indefinite"/>
+                      </p:stCondLst>
+                      <p:childTnLst>
+                        <p:par>
+                          <p:cTn id="12" fill="hold">
+                            <p:stCondLst>
+                              <p:cond delay="0"/>
+                            </p:stCondLst>
+                            <p:childTnLst>
+                              <p:par>
+                                <p:cTn id="13" presetID="1" presetClass="entr" presetSubtype="0" fill="hold" grpId="0" nodeType="clickEffect">
+                                  <p:stCondLst>
+                                    <p:cond delay="0"/>
+                                  </p:stCondLst>
+                                  <p:childTnLst>
+                                    <p:set>
+                                      <p:cBhvr>
+                                        <p:cTn id="14" dur="1" fill="hold">
+                                          <p:stCondLst>
+                                            <p:cond delay="0"/>
+                                          </p:stCondLst>
+                                        </p:cTn>
+                                        <p:tgtEl>
+                                          <p:spTgt spid="3">
+                                            <p:txEl>
+                                              <p:pRg st="2" end="2"/>
+                                            </p:txEl>
+                                          </p:spTgt>
+                                        </p:tgtEl>
+                                        <p:attrNameLst>
+                                          <p:attrName>style.visibility</p:attrName>
+                                        </p:attrNameLst>
+                                      </p:cBhvr>
+                                      <p:to>
+                                        <p:strVal val="visible"/>
+                                      </p:to>
+                                    </p:set>
+                                  </p:childTnLst>
+                                </p:cTn>
+                              </p:par>
+                            </p:childTnLst>
+                          </p:cTn>
+                        </p:par>
+                      </p:childTnLst>
+                    </p:cTn>
+                  </p:par>
+                  <p:par>
+                    <p:cTn id="15" fill="hold">
+                      <p:stCondLst>
+                        <p:cond delay="indefinite"/>
+                      </p:stCondLst>
+                      <p:childTnLst>
+                        <p:par>
+                          <p:cTn id="16" fill="hold">
+                            <p:stCondLst>
+                              <p:cond delay="0"/>
+                            </p:stCondLst>
+                            <p:childTnLst>
+                              <p:par>
+                                <p:cTn id="17" presetID="1" presetClass="entr" presetSubtype="0" fill="hold" grpId="0" nodeType="clickEffect">
+                                  <p:stCondLst>
+                                    <p:cond delay="0"/>
+                                  </p:stCondLst>
+                                  <p:childTnLst>
+                                    <p:set>
+                                      <p:cBhvr>
+                                        <p:cTn id="18" dur="1" fill="hold">
+                                          <p:stCondLst>
+                                            <p:cond delay="0"/>
+                                          </p:stCondLst>
+                                        </p:cTn>
+                                        <p:tgtEl>
+                                          <p:spTgt spid="3">
+                                            <p:txEl>
+                                              <p:pRg st="3" end="3"/>
+                                            </p:txEl>
+                                          </p:spTgt>
+                                        </p:tgtEl>
+                                        <p:attrNameLst>
+                                          <p:attrName>style.visibility</p:attrName>
+                                        </p:attrNameLst>
+                                      </p:cBhvr>
+                                      <p:to>
+                                        <p:strVal val="visible"/>
+                                      </p:to>
+                                    </p:set>
+                                  </p:childTnLst>
+                                </p:cTn>
+                              </p:par>
+                            </p:childTnLst>
+                          </p:cTn>
+                        </p:par>
+                      </p:childTnLst>
+                    </p:cTn>
+                  </p:par>
+                </p:childTnLst>
+              </p:cTn>
+              <p:prevCondLst>
+                <p:cond evt="onPrev" delay="0">
+                  <p:tgtEl>
+                    <p:sldTgt/>
+                  </p:tgtEl>
+                </p:cond>
+              </p:prevCondLst>
+              <p:nextCondLst>
+                <p:cond evt="onNext" delay="0">
+                  <p:tgtEl>
+                    <p:sldTgt/>
+                  </p:tgtEl>
+                </p:cond>
+              </p:nextCondLst>
+            </p:seq>
+          </p:childTnLst>
+        </p:cTn>
+      </p:par>
+    </p:tnLst>
+    <p:bldLst>
+      <p:bldP spid="3" grpId="0" uiExpand="1" build="p"/>
+    </p:bldLst>
+  </p:timing>
 </p:sld>
 </file>
 
@@ -6007,8 +6532,66 @@
               <a:buNone/>
             </a:pPr>
             <a:r>
+              <a:rPr i="1"/>
+              <a:t>MyPsychology</a:t>
+            </a:r>
+          </a:p>
+        </p:txBody>
+      </p:sp>
+      <p:sp>
+        <p:nvSpPr>
+          <p:cNvPr id="3" name="Content Placeholder 2">
+            <a:extLst>
+              <a:ext uri="{FF2B5EF4-FFF2-40B4-BE49-F238E27FC236}">
+                <a16:creationId xmlns:a16="http://schemas.microsoft.com/office/drawing/2014/main" id="{A4EB24F9-04F1-C843-9D71-56C5C024552B}"/>
+              </a:ext>
+            </a:extLst>
+          </p:cNvPr>
+          <p:cNvSpPr>
+            <a:spLocks noGrp="1"/>
+          </p:cNvSpPr>
+          <p:nvPr>
+            <p:ph idx="1"/>
+          </p:nvPr>
+        </p:nvSpPr>
+        <p:spPr/>
+        <p:txBody>
+          <a:bodyPr/>
+          <a:lstStyle/>
+          <a:p>
+            <a:pPr lvl="0" indent="0" marL="0">
+              <a:buNone/>
+            </a:pPr>
+            <a:r>
               <a:rPr/>
-              <a:t>Video</a:t>
+              <a:t>‘MyPsychology’ is an idea I introduce in Y2 Research Methods</a:t>
+            </a:r>
+          </a:p>
+          <a:p>
+            <a:pPr lvl="0" indent="0" marL="0">
+              <a:buNone/>
+            </a:pPr>
+            <a:r>
+              <a:rPr/>
+              <a:t>The idea that there is no ‘one size fits all’ psychology</a:t>
+            </a:r>
+          </a:p>
+          <a:p>
+            <a:pPr lvl="0" indent="0" marL="0">
+              <a:buNone/>
+            </a:pPr>
+            <a:r>
+              <a:rPr/>
+              <a:t>It’s entirely as unique as you are</a:t>
+            </a:r>
+          </a:p>
+          <a:p>
+            <a:pPr lvl="0" indent="0" marL="0">
+              <a:buNone/>
+            </a:pPr>
+            <a:r>
+              <a:rPr/>
+              <a:t>Topics | Methods | Application | Journey</a:t>
             </a:r>
           </a:p>
         </p:txBody>
@@ -6069,7 +6652,56 @@
             </a:pPr>
             <a:r>
               <a:rPr/>
-              <a:t>Some easy research!</a:t>
+              <a:t>Why does that matter now?</a:t>
+            </a:r>
+          </a:p>
+        </p:txBody>
+      </p:sp>
+      <p:sp>
+        <p:nvSpPr>
+          <p:cNvPr id="3" name="Content Placeholder 2">
+            <a:extLst>
+              <a:ext uri="{FF2B5EF4-FFF2-40B4-BE49-F238E27FC236}">
+                <a16:creationId xmlns:a16="http://schemas.microsoft.com/office/drawing/2014/main" id="{A4EB24F9-04F1-C843-9D71-56C5C024552B}"/>
+              </a:ext>
+            </a:extLst>
+          </p:cNvPr>
+          <p:cNvSpPr>
+            <a:spLocks noGrp="1"/>
+          </p:cNvSpPr>
+          <p:nvPr>
+            <p:ph idx="1"/>
+          </p:nvPr>
+        </p:nvSpPr>
+        <p:spPr/>
+        <p:txBody>
+          <a:bodyPr/>
+          <a:lstStyle/>
+          <a:p>
+            <a:pPr lvl="0" indent="0" marL="0">
+              <a:buNone/>
+            </a:pPr>
+            <a:r>
+              <a:rPr/>
+              <a:t>This module is designed to try to give you a glimpse of psychological research</a:t>
+            </a:r>
+          </a:p>
+          <a:p>
+            <a:pPr lvl="0" indent="0" marL="0">
+              <a:buNone/>
+            </a:pPr>
+            <a:r>
+              <a:rPr/>
+              <a:t>Research Participation Scheme - what’s the point there?</a:t>
+            </a:r>
+          </a:p>
+          <a:p>
+            <a:pPr lvl="0" indent="0" marL="0">
+              <a:buNone/>
+            </a:pPr>
+            <a:r>
+              <a:rPr/>
+              <a:t>PS51010C - Extended Essay</a:t>
             </a:r>
           </a:p>
         </p:txBody>
@@ -6101,7 +6733,7 @@
           <p:cNvPr id="2" name="Title 1">
             <a:extLst>
               <a:ext uri="{FF2B5EF4-FFF2-40B4-BE49-F238E27FC236}">
-                <a16:creationId xmlns:a16="http://schemas.microsoft.com/office/drawing/2014/main" id="{DD9B8E45-0772-954C-8D4B-6E6808DFEDED}"/>
+                <a16:creationId xmlns:a16="http://schemas.microsoft.com/office/drawing/2014/main" id="{FF6A6CB2-D1B6-B94A-84C1-83C65423C650}"/>
               </a:ext>
             </a:extLst>
           </p:cNvPr>
@@ -6114,8 +6746,8 @@
         </p:nvSpPr>
         <p:spPr>
           <a:xfrm>
-            <a:off x="838200" y="365129"/>
-            <a:ext cx="10002520" cy="1325563"/>
+            <a:off x="831851" y="1709742"/>
+            <a:ext cx="10515600" cy="2852737"/>
           </a:xfrm>
           <a:prstGeom prst="rect">
             <a:avLst/>
@@ -6129,10 +6761,8 @@
               <a:buNone/>
             </a:pPr>
             <a:r>
-              <a:rPr>
-                <a:hlinkClick r:id="rId2"/>
-              </a:rPr>
-              <a:t>BBC Horizon: The Honesty Experiment</a:t>
+              <a:rPr/>
+              <a:t>LittleMonkeyLab</a:t>
             </a:r>
           </a:p>
         </p:txBody>
